--- a/t testi_uygulama.pptx
+++ b/t testi_uygulama.pptx
@@ -247,7 +247,7 @@
             <a:fld id="{2224BA7F-8500-4789-BBB9-F2B1671B37DD}" type="datetimeFigureOut">
               <a:rPr lang="tr-TR" smtClean="0"/>
               <a:pPr/>
-              <a:t>11.02.2022</a:t>
+              <a:t>25.04.2024</a:t>
             </a:fld>
             <a:endParaRPr lang="tr-TR"/>
           </a:p>
@@ -689,7 +689,7 @@
             <a:fld id="{A23720DD-5B6D-40BF-8493-A6B52D484E6B}" type="datetimeFigureOut">
               <a:rPr lang="tr-TR" smtClean="0"/>
               <a:pPr/>
-              <a:t>11.02.2022</a:t>
+              <a:t>25.04.2024</a:t>
             </a:fld>
             <a:endParaRPr lang="tr-TR"/>
           </a:p>
@@ -856,7 +856,7 @@
             <a:fld id="{A23720DD-5B6D-40BF-8493-A6B52D484E6B}" type="datetimeFigureOut">
               <a:rPr lang="tr-TR" smtClean="0"/>
               <a:pPr/>
-              <a:t>11.02.2022</a:t>
+              <a:t>25.04.2024</a:t>
             </a:fld>
             <a:endParaRPr lang="tr-TR"/>
           </a:p>
@@ -1033,7 +1033,7 @@
             <a:fld id="{A23720DD-5B6D-40BF-8493-A6B52D484E6B}" type="datetimeFigureOut">
               <a:rPr lang="tr-TR" smtClean="0"/>
               <a:pPr/>
-              <a:t>11.02.2022</a:t>
+              <a:t>25.04.2024</a:t>
             </a:fld>
             <a:endParaRPr lang="tr-TR"/>
           </a:p>
@@ -1200,7 +1200,7 @@
             <a:fld id="{A23720DD-5B6D-40BF-8493-A6B52D484E6B}" type="datetimeFigureOut">
               <a:rPr lang="tr-TR" smtClean="0"/>
               <a:pPr/>
-              <a:t>11.02.2022</a:t>
+              <a:t>25.04.2024</a:t>
             </a:fld>
             <a:endParaRPr lang="tr-TR"/>
           </a:p>
@@ -1444,7 +1444,7 @@
             <a:fld id="{A23720DD-5B6D-40BF-8493-A6B52D484E6B}" type="datetimeFigureOut">
               <a:rPr lang="tr-TR" smtClean="0"/>
               <a:pPr/>
-              <a:t>11.02.2022</a:t>
+              <a:t>25.04.2024</a:t>
             </a:fld>
             <a:endParaRPr lang="tr-TR"/>
           </a:p>
@@ -1710,7 +1710,7 @@
             <a:fld id="{A23720DD-5B6D-40BF-8493-A6B52D484E6B}" type="datetimeFigureOut">
               <a:rPr lang="tr-TR" smtClean="0"/>
               <a:pPr/>
-              <a:t>11.02.2022</a:t>
+              <a:t>25.04.2024</a:t>
             </a:fld>
             <a:endParaRPr lang="tr-TR"/>
           </a:p>
@@ -2090,7 +2090,7 @@
             <a:fld id="{A23720DD-5B6D-40BF-8493-A6B52D484E6B}" type="datetimeFigureOut">
               <a:rPr lang="tr-TR" smtClean="0"/>
               <a:pPr/>
-              <a:t>11.02.2022</a:t>
+              <a:t>25.04.2024</a:t>
             </a:fld>
             <a:endParaRPr lang="tr-TR"/>
           </a:p>
@@ -2242,7 +2242,7 @@
             <a:fld id="{A23720DD-5B6D-40BF-8493-A6B52D484E6B}" type="datetimeFigureOut">
               <a:rPr lang="tr-TR" smtClean="0"/>
               <a:pPr/>
-              <a:t>11.02.2022</a:t>
+              <a:t>25.04.2024</a:t>
             </a:fld>
             <a:endParaRPr lang="tr-TR"/>
           </a:p>
@@ -2334,7 +2334,7 @@
             <a:fld id="{A23720DD-5B6D-40BF-8493-A6B52D484E6B}" type="datetimeFigureOut">
               <a:rPr lang="tr-TR" smtClean="0"/>
               <a:pPr/>
-              <a:t>11.02.2022</a:t>
+              <a:t>25.04.2024</a:t>
             </a:fld>
             <a:endParaRPr lang="tr-TR"/>
           </a:p>
@@ -2597,7 +2597,7 @@
             <a:fld id="{A23720DD-5B6D-40BF-8493-A6B52D484E6B}" type="datetimeFigureOut">
               <a:rPr lang="tr-TR" smtClean="0"/>
               <a:pPr/>
-              <a:t>11.02.2022</a:t>
+              <a:t>25.04.2024</a:t>
             </a:fld>
             <a:endParaRPr lang="tr-TR"/>
           </a:p>
@@ -2887,7 +2887,7 @@
             <a:fld id="{A23720DD-5B6D-40BF-8493-A6B52D484E6B}" type="datetimeFigureOut">
               <a:rPr lang="tr-TR" smtClean="0"/>
               <a:pPr/>
-              <a:t>11.02.2022</a:t>
+              <a:t>25.04.2024</a:t>
             </a:fld>
             <a:endParaRPr lang="tr-TR"/>
           </a:p>
@@ -3660,7 +3660,7 @@
             <a:fld id="{A23720DD-5B6D-40BF-8493-A6B52D484E6B}" type="datetimeFigureOut">
               <a:rPr lang="tr-TR" smtClean="0"/>
               <a:pPr/>
-              <a:t>11.02.2022</a:t>
+              <a:t>25.04.2024</a:t>
             </a:fld>
             <a:endParaRPr lang="tr-TR"/>
           </a:p>
@@ -4453,6 +4453,13 @@
   <p:clrMapOvr>
     <a:masterClrMapping/>
   </p:clrMapOvr>
+  <p:timing>
+    <p:tnLst>
+      <p:par>
+        <p:cTn id="1" dur="indefinite" restart="never" nodeType="tmRoot"/>
+      </p:par>
+    </p:tnLst>
+  </p:timing>
 </p:sld>
 </file>
 
@@ -4570,6 +4577,13 @@
   <p:clrMapOvr>
     <a:masterClrMapping/>
   </p:clrMapOvr>
+  <p:timing>
+    <p:tnLst>
+      <p:par>
+        <p:cTn id="1" dur="indefinite" restart="never" nodeType="tmRoot"/>
+      </p:par>
+    </p:tnLst>
+  </p:timing>
 </p:sld>
 </file>
 
@@ -4687,6 +4701,13 @@
   <p:clrMapOvr>
     <a:masterClrMapping/>
   </p:clrMapOvr>
+  <p:timing>
+    <p:tnLst>
+      <p:par>
+        <p:cTn id="1" dur="indefinite" restart="never" nodeType="tmRoot"/>
+      </p:par>
+    </p:tnLst>
+  </p:timing>
 </p:sld>
 </file>
 
@@ -4780,6 +4801,13 @@
   <p:clrMapOvr>
     <a:masterClrMapping/>
   </p:clrMapOvr>
+  <p:timing>
+    <p:tnLst>
+      <p:par>
+        <p:cTn id="1" dur="indefinite" restart="never" nodeType="tmRoot"/>
+      </p:par>
+    </p:tnLst>
+  </p:timing>
 </p:sld>
 </file>
 
@@ -4888,6 +4916,13 @@
   <p:clrMapOvr>
     <a:masterClrMapping/>
   </p:clrMapOvr>
+  <p:timing>
+    <p:tnLst>
+      <p:par>
+        <p:cTn id="1" dur="indefinite" restart="never" nodeType="tmRoot"/>
+      </p:par>
+    </p:tnLst>
+  </p:timing>
 </p:sld>
 </file>
 
@@ -4982,6 +5017,13 @@
   <p:clrMapOvr>
     <a:masterClrMapping/>
   </p:clrMapOvr>
+  <p:timing>
+    <p:tnLst>
+      <p:par>
+        <p:cTn id="1" dur="indefinite" restart="never" nodeType="tmRoot"/>
+      </p:par>
+    </p:tnLst>
+  </p:timing>
 </p:sld>
 </file>
 
@@ -5056,6 +5098,13 @@
   <p:clrMapOvr>
     <a:masterClrMapping/>
   </p:clrMapOvr>
+  <p:timing>
+    <p:tnLst>
+      <p:par>
+        <p:cTn id="1" dur="indefinite" restart="never" nodeType="tmRoot"/>
+      </p:par>
+    </p:tnLst>
+  </p:timing>
 </p:sld>
 </file>
 
@@ -5473,6 +5522,13 @@
   <p:clrMapOvr>
     <a:masterClrMapping/>
   </p:clrMapOvr>
+  <p:timing>
+    <p:tnLst>
+      <p:par>
+        <p:cTn id="1" dur="indefinite" restart="never" nodeType="tmRoot"/>
+      </p:par>
+    </p:tnLst>
+  </p:timing>
 </p:sld>
 </file>
 
@@ -5561,6 +5617,13 @@
   <p:clrMapOvr>
     <a:masterClrMapping/>
   </p:clrMapOvr>
+  <p:timing>
+    <p:tnLst>
+      <p:par>
+        <p:cTn id="1" dur="indefinite" restart="never" nodeType="tmRoot"/>
+      </p:par>
+    </p:tnLst>
+  </p:timing>
 </p:sld>
 </file>
 
@@ -5647,6 +5710,13 @@
   <p:clrMapOvr>
     <a:masterClrMapping/>
   </p:clrMapOvr>
+  <p:timing>
+    <p:tnLst>
+      <p:par>
+        <p:cTn id="1" dur="indefinite" restart="never" nodeType="tmRoot"/>
+      </p:par>
+    </p:tnLst>
+  </p:timing>
 </p:sld>
 </file>
 
@@ -6483,6 +6553,13 @@
   <p:clrMapOvr>
     <a:masterClrMapping/>
   </p:clrMapOvr>
+  <p:timing>
+    <p:tnLst>
+      <p:par>
+        <p:cTn id="1" dur="indefinite" restart="never" nodeType="tmRoot"/>
+      </p:par>
+    </p:tnLst>
+  </p:timing>
 </p:sld>
 </file>
 
@@ -6586,6 +6663,13 @@
   <p:clrMapOvr>
     <a:masterClrMapping/>
   </p:clrMapOvr>
+  <p:timing>
+    <p:tnLst>
+      <p:par>
+        <p:cTn id="1" dur="indefinite" restart="never" nodeType="tmRoot"/>
+      </p:par>
+    </p:tnLst>
+  </p:timing>
 </p:sld>
 </file>
 
@@ -6686,6 +6770,13 @@
   <p:clrMapOvr>
     <a:masterClrMapping/>
   </p:clrMapOvr>
+  <p:timing>
+    <p:tnLst>
+      <p:par>
+        <p:cTn id="1" dur="indefinite" restart="never" nodeType="tmRoot"/>
+      </p:par>
+    </p:tnLst>
+  </p:timing>
 </p:sld>
 </file>
 
@@ -6769,6 +6860,13 @@
   <p:clrMapOvr>
     <a:masterClrMapping/>
   </p:clrMapOvr>
+  <p:timing>
+    <p:tnLst>
+      <p:par>
+        <p:cTn id="1" dur="indefinite" restart="never" nodeType="tmRoot"/>
+      </p:par>
+    </p:tnLst>
+  </p:timing>
 </p:sld>
 </file>
 
@@ -6840,6 +6938,13 @@
   <p:clrMapOvr>
     <a:masterClrMapping/>
   </p:clrMapOvr>
+  <p:timing>
+    <p:tnLst>
+      <p:par>
+        <p:cTn id="1" dur="indefinite" restart="never" nodeType="tmRoot"/>
+      </p:par>
+    </p:tnLst>
+  </p:timing>
 </p:sld>
 </file>
 
@@ -7234,6 +7339,13 @@
   <p:clrMapOvr>
     <a:masterClrMapping/>
   </p:clrMapOvr>
+  <p:timing>
+    <p:tnLst>
+      <p:par>
+        <p:cTn id="1" dur="indefinite" restart="never" nodeType="tmRoot"/>
+      </p:par>
+    </p:tnLst>
+  </p:timing>
 </p:sld>
 </file>
 
@@ -7518,6 +7630,13 @@
   <p:clrMapOvr>
     <a:masterClrMapping/>
   </p:clrMapOvr>
+  <p:timing>
+    <p:tnLst>
+      <p:par>
+        <p:cTn id="1" dur="indefinite" restart="never" nodeType="tmRoot"/>
+      </p:par>
+    </p:tnLst>
+  </p:timing>
 </p:sld>
 </file>
 
@@ -8391,6 +8510,13 @@
   <p:clrMapOvr>
     <a:masterClrMapping/>
   </p:clrMapOvr>
+  <p:timing>
+    <p:tnLst>
+      <p:par>
+        <p:cTn id="1" dur="indefinite" restart="never" nodeType="tmRoot"/>
+      </p:par>
+    </p:tnLst>
+  </p:timing>
 </p:sld>
 </file>
 
@@ -8538,6 +8664,13 @@
   <p:clrMapOvr>
     <a:masterClrMapping/>
   </p:clrMapOvr>
+  <p:timing>
+    <p:tnLst>
+      <p:par>
+        <p:cTn id="1" dur="indefinite" restart="never" nodeType="tmRoot"/>
+      </p:par>
+    </p:tnLst>
+  </p:timing>
 </p:sld>
 </file>
 
@@ -8633,6 +8766,13 @@
   <p:clrMapOvr>
     <a:masterClrMapping/>
   </p:clrMapOvr>
+  <p:timing>
+    <p:tnLst>
+      <p:par>
+        <p:cTn id="1" dur="indefinite" restart="never" nodeType="tmRoot"/>
+      </p:par>
+    </p:tnLst>
+  </p:timing>
 </p:sld>
 </file>
 
@@ -9565,6 +9705,13 @@
   <p:clrMapOvr>
     <a:masterClrMapping/>
   </p:clrMapOvr>
+  <p:timing>
+    <p:tnLst>
+      <p:par>
+        <p:cTn id="1" dur="indefinite" restart="never" nodeType="tmRoot"/>
+      </p:par>
+    </p:tnLst>
+  </p:timing>
 </p:sld>
 </file>
 
@@ -9677,6 +9824,13 @@
   <p:clrMapOvr>
     <a:masterClrMapping/>
   </p:clrMapOvr>
+  <p:timing>
+    <p:tnLst>
+      <p:par>
+        <p:cTn id="1" dur="indefinite" restart="never" nodeType="tmRoot"/>
+      </p:par>
+    </p:tnLst>
+  </p:timing>
 </p:sld>
 </file>
 
@@ -9770,6 +9924,13 @@
   <p:clrMapOvr>
     <a:masterClrMapping/>
   </p:clrMapOvr>
+  <p:timing>
+    <p:tnLst>
+      <p:par>
+        <p:cTn id="1" dur="indefinite" restart="never" nodeType="tmRoot"/>
+      </p:par>
+    </p:tnLst>
+  </p:timing>
 </p:sld>
 </file>
 
@@ -12124,6 +12285,13 @@
   <p:clrMapOvr>
     <a:masterClrMapping/>
   </p:clrMapOvr>
+  <p:timing>
+    <p:tnLst>
+      <p:par>
+        <p:cTn id="1" dur="indefinite" restart="never" nodeType="tmRoot"/>
+      </p:par>
+    </p:tnLst>
+  </p:timing>
 </p:sld>
 </file>
 
@@ -12218,6 +12386,13 @@
   <p:clrMapOvr>
     <a:masterClrMapping/>
   </p:clrMapOvr>
+  <p:timing>
+    <p:tnLst>
+      <p:par>
+        <p:cTn id="1" dur="indefinite" restart="never" nodeType="tmRoot"/>
+      </p:par>
+    </p:tnLst>
+  </p:timing>
 </p:sld>
 </file>
 
@@ -12841,6 +13016,13 @@
   <p:clrMapOvr>
     <a:masterClrMapping/>
   </p:clrMapOvr>
+  <p:timing>
+    <p:tnLst>
+      <p:par>
+        <p:cTn id="1" dur="indefinite" restart="never" nodeType="tmRoot"/>
+      </p:par>
+    </p:tnLst>
+  </p:timing>
 </p:sld>
 </file>
 
@@ -12917,24 +13099,68 @@
               <a:t>=66,31) ile disiplin </a:t>
             </a:r>
             <a:r>
-              <a:rPr lang="tr-TR" dirty="0" err="1"/>
+              <a:rPr lang="en-US" dirty="0" smtClean="0"/>
+              <a:t>p</a:t>
+            </a:r>
+            <a:r>
+              <a:rPr lang="tr-TR" dirty="0" err="1" smtClean="0"/>
               <a:t>uanı</a:t>
             </a:r>
             <a:r>
+              <a:rPr lang="tr-TR" dirty="0" smtClean="0"/>
+              <a:t> </a:t>
+            </a:r>
+            <a:r>
               <a:rPr lang="tr-TR" dirty="0"/>
-              <a:t> 7’in altında olan öğrencilerin ortalaması (</a:t>
-            </a:r>
-            <a:r>
-              <a:rPr lang="tr-TR" dirty="0" err="1"/>
+              <a:t>7’in altında olan öğrencilerin ortalaması (</a:t>
+            </a:r>
+            <a:r>
+              <a:rPr lang="tr-TR" dirty="0" err="1" smtClean="0"/>
               <a:t>X</a:t>
             </a:r>
             <a:r>
-              <a:rPr lang="tr-TR" baseline="-25000" dirty="0" err="1"/>
+              <a:rPr lang="tr-TR" baseline="-25000" dirty="0" err="1" smtClean="0"/>
               <a:t>düşük</a:t>
             </a:r>
             <a:r>
+              <a:rPr lang="tr-TR" dirty="0" smtClean="0"/>
+              <a:t>=6</a:t>
+            </a:r>
+            <a:r>
+              <a:rPr lang="en-US" dirty="0" smtClean="0"/>
+              <a:t>5</a:t>
+            </a:r>
+            <a:r>
+              <a:rPr lang="tr-TR" dirty="0" smtClean="0"/>
+              <a:t>,</a:t>
+            </a:r>
+            <a:r>
+              <a:rPr lang="en-US" dirty="0" smtClean="0"/>
+              <a:t>83</a:t>
+            </a:r>
+            <a:r>
+              <a:rPr lang="tr-TR" dirty="0" smtClean="0"/>
+              <a:t>) </a:t>
+            </a:r>
+            <a:r>
               <a:rPr lang="tr-TR" dirty="0"/>
-              <a:t>=66,31) arasında anlamlı bir fark görülmememiştir (t(78)= 0,1740, p&gt;0.05). Bu durumda Disiplin puanının matematik başarısı üzerindeki  anlamlı bir etkisinin olmadığı söylenebilir. </a:t>
+              <a:t>arasında anlamlı bir fark görülmememiştir (t(78)= 0,1740, p&gt;0.05). Bu durumda </a:t>
+            </a:r>
+            <a:r>
+              <a:rPr lang="en-US" dirty="0" smtClean="0"/>
+              <a:t>d</a:t>
+            </a:r>
+            <a:r>
+              <a:rPr lang="tr-TR" dirty="0" err="1" smtClean="0"/>
+              <a:t>isiplin</a:t>
+            </a:r>
+            <a:r>
+              <a:rPr lang="tr-TR" dirty="0" smtClean="0"/>
+              <a:t> </a:t>
+            </a:r>
+            <a:r>
+              <a:rPr lang="tr-TR" dirty="0"/>
+              <a:t>puanının matematik başarısı üzerindeki  anlamlı bir etkisinin olmadığı söylenebilir. </a:t>
             </a:r>
           </a:p>
         </p:txBody>
@@ -12949,6 +13175,13 @@
   <p:clrMapOvr>
     <a:masterClrMapping/>
   </p:clrMapOvr>
+  <p:timing>
+    <p:tnLst>
+      <p:par>
+        <p:cTn id="1" dur="indefinite" restart="never" nodeType="tmRoot"/>
+      </p:par>
+    </p:tnLst>
+  </p:timing>
 </p:sld>
 </file>
 
@@ -13063,6 +13296,13 @@
   <p:clrMapOvr>
     <a:masterClrMapping/>
   </p:clrMapOvr>
+  <p:timing>
+    <p:tnLst>
+      <p:par>
+        <p:cTn id="1" dur="indefinite" restart="never" nodeType="tmRoot"/>
+      </p:par>
+    </p:tnLst>
+  </p:timing>
 </p:sld>
 </file>
 
